--- a/TDD.pptx
+++ b/TDD.pptx
@@ -298,7 +298,7 @@
           <a:p>
             <a:fld id="{CAE4E097-0FF4-4659-A86C-37E729270D88}" type="datetimeFigureOut">
               <a:rPr lang="en-US" smtClean="0"/>
-              <a:t>2/19/2024</a:t>
+              <a:t>3/9/2024</a:t>
             </a:fld>
             <a:endParaRPr lang="en-US"/>
           </a:p>
@@ -496,7 +496,7 @@
           <a:p>
             <a:fld id="{CAE4E097-0FF4-4659-A86C-37E729270D88}" type="datetimeFigureOut">
               <a:rPr lang="en-US" smtClean="0"/>
-              <a:t>2/19/2024</a:t>
+              <a:t>3/9/2024</a:t>
             </a:fld>
             <a:endParaRPr lang="en-US"/>
           </a:p>
@@ -704,7 +704,7 @@
           <a:p>
             <a:fld id="{CAE4E097-0FF4-4659-A86C-37E729270D88}" type="datetimeFigureOut">
               <a:rPr lang="en-US" smtClean="0"/>
-              <a:t>2/19/2024</a:t>
+              <a:t>3/9/2024</a:t>
             </a:fld>
             <a:endParaRPr lang="en-US"/>
           </a:p>
@@ -902,7 +902,7 @@
           <a:p>
             <a:fld id="{CAE4E097-0FF4-4659-A86C-37E729270D88}" type="datetimeFigureOut">
               <a:rPr lang="en-US" smtClean="0"/>
-              <a:t>2/19/2024</a:t>
+              <a:t>3/9/2024</a:t>
             </a:fld>
             <a:endParaRPr lang="en-US"/>
           </a:p>
@@ -1177,7 +1177,7 @@
           <a:p>
             <a:fld id="{CAE4E097-0FF4-4659-A86C-37E729270D88}" type="datetimeFigureOut">
               <a:rPr lang="en-US" smtClean="0"/>
-              <a:t>2/19/2024</a:t>
+              <a:t>3/9/2024</a:t>
             </a:fld>
             <a:endParaRPr lang="en-US"/>
           </a:p>
@@ -1442,7 +1442,7 @@
           <a:p>
             <a:fld id="{CAE4E097-0FF4-4659-A86C-37E729270D88}" type="datetimeFigureOut">
               <a:rPr lang="en-US" smtClean="0"/>
-              <a:t>2/19/2024</a:t>
+              <a:t>3/9/2024</a:t>
             </a:fld>
             <a:endParaRPr lang="en-US"/>
           </a:p>
@@ -1854,7 +1854,7 @@
           <a:p>
             <a:fld id="{CAE4E097-0FF4-4659-A86C-37E729270D88}" type="datetimeFigureOut">
               <a:rPr lang="en-US" smtClean="0"/>
-              <a:t>2/19/2024</a:t>
+              <a:t>3/9/2024</a:t>
             </a:fld>
             <a:endParaRPr lang="en-US"/>
           </a:p>
@@ -1995,7 +1995,7 @@
           <a:p>
             <a:fld id="{CAE4E097-0FF4-4659-A86C-37E729270D88}" type="datetimeFigureOut">
               <a:rPr lang="en-US" smtClean="0"/>
-              <a:t>2/19/2024</a:t>
+              <a:t>3/9/2024</a:t>
             </a:fld>
             <a:endParaRPr lang="en-US"/>
           </a:p>
@@ -2108,7 +2108,7 @@
           <a:p>
             <a:fld id="{CAE4E097-0FF4-4659-A86C-37E729270D88}" type="datetimeFigureOut">
               <a:rPr lang="en-US" smtClean="0"/>
-              <a:t>2/19/2024</a:t>
+              <a:t>3/9/2024</a:t>
             </a:fld>
             <a:endParaRPr lang="en-US"/>
           </a:p>
@@ -2419,7 +2419,7 @@
           <a:p>
             <a:fld id="{CAE4E097-0FF4-4659-A86C-37E729270D88}" type="datetimeFigureOut">
               <a:rPr lang="en-US" smtClean="0"/>
-              <a:t>2/19/2024</a:t>
+              <a:t>3/9/2024</a:t>
             </a:fld>
             <a:endParaRPr lang="en-US"/>
           </a:p>
@@ -2707,7 +2707,7 @@
           <a:p>
             <a:fld id="{CAE4E097-0FF4-4659-A86C-37E729270D88}" type="datetimeFigureOut">
               <a:rPr lang="en-US" smtClean="0"/>
-              <a:t>2/19/2024</a:t>
+              <a:t>3/9/2024</a:t>
             </a:fld>
             <a:endParaRPr lang="en-US"/>
           </a:p>
@@ -2948,7 +2948,7 @@
           <a:p>
             <a:fld id="{CAE4E097-0FF4-4659-A86C-37E729270D88}" type="datetimeFigureOut">
               <a:rPr lang="en-US" smtClean="0"/>
-              <a:t>2/19/2024</a:t>
+              <a:t>3/9/2024</a:t>
             </a:fld>
             <a:endParaRPr lang="en-US"/>
           </a:p>
@@ -11082,9 +11082,6 @@
             </a:pPr>
             <a:r>
               <a:rPr lang="en-US" sz="2400" b="0" i="0" dirty="0">
-                <a:solidFill>
-                  <a:srgbClr val="515151"/>
-                </a:solidFill>
                 <a:effectLst/>
                 <a:latin typeface="Inter"/>
               </a:rPr>
@@ -11098,9 +11095,6 @@
             </a:pPr>
             <a:r>
               <a:rPr lang="en-US" sz="2400" b="0" i="0" dirty="0">
-                <a:solidFill>
-                  <a:srgbClr val="515151"/>
-                </a:solidFill>
                 <a:effectLst/>
                 <a:latin typeface="Inter"/>
               </a:rPr>
@@ -11114,9 +11108,6 @@
             </a:pPr>
             <a:r>
               <a:rPr lang="en-US" sz="2400" b="0" i="0" dirty="0">
-                <a:solidFill>
-                  <a:srgbClr val="515151"/>
-                </a:solidFill>
                 <a:effectLst/>
                 <a:latin typeface="Inter"/>
               </a:rPr>
@@ -11124,9 +11115,6 @@
             </a:r>
             <a:r>
               <a:rPr lang="en-US" sz="2400" b="0" i="0" u="sng" dirty="0">
-                <a:solidFill>
-                  <a:srgbClr val="515151"/>
-                </a:solidFill>
                 <a:effectLst/>
                 <a:latin typeface="Inter"/>
               </a:rPr>
@@ -11134,9 +11122,6 @@
             </a:r>
             <a:r>
               <a:rPr lang="en-US" sz="2400" b="0" i="0" dirty="0">
-                <a:solidFill>
-                  <a:srgbClr val="515151"/>
-                </a:solidFill>
                 <a:effectLst/>
                 <a:latin typeface="Inter"/>
               </a:rPr>
@@ -11288,7 +11273,7 @@
         <p:spPr/>
         <p:txBody>
           <a:bodyPr>
-            <a:normAutofit fontScale="92500" lnSpcReduction="10000"/>
+            <a:normAutofit/>
           </a:bodyPr>
           <a:lstStyle/>
           <a:p>
@@ -11311,10 +11296,7 @@
               <a:buNone/>
             </a:pPr>
             <a:r>
-              <a:rPr lang="en-US" b="0" i="0" dirty="0">
-                <a:solidFill>
-                  <a:srgbClr val="515151"/>
-                </a:solidFill>
+              <a:rPr lang="en-US" sz="2400" b="0" i="0" dirty="0">
                 <a:effectLst/>
                 <a:latin typeface="Inter"/>
               </a:rPr>
@@ -11326,10 +11308,7 @@
               <a:buNone/>
             </a:pPr>
             <a:r>
-              <a:rPr lang="en-US" b="0" i="0" dirty="0">
-                <a:solidFill>
-                  <a:srgbClr val="515151"/>
-                </a:solidFill>
+              <a:rPr lang="en-US" sz="2000" b="0" i="0" dirty="0">
                 <a:effectLst/>
                 <a:latin typeface="Inter"/>
               </a:rPr>
@@ -11341,10 +11320,7 @@
               <a:buNone/>
             </a:pPr>
             <a:r>
-              <a:rPr lang="en-US" dirty="0">
-                <a:solidFill>
-                  <a:srgbClr val="515151"/>
-                </a:solidFill>
+              <a:rPr lang="en-US" sz="2000" dirty="0">
                 <a:latin typeface="Inter"/>
               </a:rPr>
               <a:t>In the class names, we add the keyword Given followed by the scenario under test.</a:t>
@@ -11355,7 +11331,7 @@
               <a:buNone/>
             </a:pPr>
             <a:r>
-              <a:rPr lang="en-US" b="0" i="0" dirty="0">
+              <a:rPr lang="en-US" sz="2000" b="0" i="0" dirty="0">
                 <a:solidFill>
                   <a:srgbClr val="515151"/>
                 </a:solidFill>
@@ -11519,7 +11495,7 @@
               <a:buNone/>
             </a:pPr>
             <a:r>
-              <a:rPr lang="en-US" b="0" i="0" dirty="0">
+              <a:rPr lang="en-US" sz="2400" b="0" i="0" dirty="0">
                 <a:solidFill>
                   <a:srgbClr val="515151"/>
                 </a:solidFill>
@@ -11678,11 +11654,13 @@
         </p:nvSpPr>
         <p:spPr/>
         <p:txBody>
-          <a:bodyPr/>
+          <a:bodyPr>
+            <a:normAutofit/>
+          </a:bodyPr>
           <a:lstStyle/>
           <a:p>
             <a:r>
-              <a:rPr lang="en-US" b="0" i="0" dirty="0">
+              <a:rPr lang="en-US" sz="2400" b="0" i="0" dirty="0">
                 <a:solidFill>
                   <a:srgbClr val="242424"/>
                 </a:solidFill>
@@ -11694,28 +11672,28 @@
           </a:p>
           <a:p>
             <a:r>
-              <a:rPr lang="en-US" b="0" i="0" dirty="0">
+              <a:rPr lang="en-US" sz="2400" b="0" i="0" dirty="0">
                 <a:solidFill>
                   <a:srgbClr val="242424"/>
                 </a:solidFill>
                 <a:effectLst/>
-                <a:latin typeface="source-serif-pro"/>
+                <a:latin typeface="Inter"/>
               </a:rPr>
               <a:t>Test code, in the same way as production code, is supposed to be clean and self-explanatory.</a:t>
             </a:r>
           </a:p>
           <a:p>
             <a:r>
-              <a:rPr lang="en-US" b="0" i="0" dirty="0">
+              <a:rPr lang="en-US" sz="2400" b="0" i="0" dirty="0">
                 <a:solidFill>
                   <a:srgbClr val="242424"/>
                 </a:solidFill>
                 <a:effectLst/>
-                <a:latin typeface="source-serif-pro"/>
+                <a:latin typeface="Inter"/>
               </a:rPr>
               <a:t>You can still have a clear distinction of the three steps(Arrange-Act-Assert) by using spaces and indentation.</a:t>
             </a:r>
-            <a:endParaRPr lang="en-US" dirty="0">
+            <a:endParaRPr lang="en-US" sz="2400" dirty="0">
               <a:latin typeface="Inter"/>
             </a:endParaRPr>
           </a:p>
